--- a/work/wk_01.pptx
+++ b/work/wk_01.pptx
@@ -208,7 +208,7 @@
           <a:p>
             <a:fld id="{3EFD42F7-718C-4B98-AAEC-167E6DDD60A7}" type="datetimeFigureOut">
               <a:rPr lang="en-US" smtClean="0"/>
-              <a:t>12/28/24</a:t>
+              <a:t>12/30/24</a:t>
             </a:fld>
             <a:endParaRPr lang="en-US"/>
           </a:p>
@@ -1320,7 +1320,7 @@
           <a:p>
             <a:fld id="{63A1C593-65D0-4073-BCC9-577B9352EA97}" type="datetimeFigureOut">
               <a:rPr lang="en-US" smtClean="0"/>
-              <a:t>12/28/24</a:t>
+              <a:t>12/30/24</a:t>
             </a:fld>
             <a:endParaRPr lang="en-US"/>
           </a:p>
@@ -1566,7 +1566,7 @@
           <a:p>
             <a:fld id="{63A1C593-65D0-4073-BCC9-577B9352EA97}" type="datetimeFigureOut">
               <a:rPr lang="en-US" smtClean="0"/>
-              <a:t>12/28/24</a:t>
+              <a:t>12/30/24</a:t>
             </a:fld>
             <a:endParaRPr lang="en-US"/>
           </a:p>
@@ -1740,7 +1740,7 @@
           <a:p>
             <a:fld id="{63A1C593-65D0-4073-BCC9-577B9352EA97}" type="datetimeFigureOut">
               <a:rPr lang="en-US" smtClean="0"/>
-              <a:t>12/28/24</a:t>
+              <a:t>12/30/24</a:t>
             </a:fld>
             <a:endParaRPr lang="en-US"/>
           </a:p>
@@ -2067,7 +2067,7 @@
           <a:p>
             <a:fld id="{63A1C593-65D0-4073-BCC9-577B9352EA97}" type="datetimeFigureOut">
               <a:rPr lang="en-US" smtClean="0"/>
-              <a:t>12/28/24</a:t>
+              <a:t>12/30/24</a:t>
             </a:fld>
             <a:endParaRPr lang="en-US"/>
           </a:p>
@@ -2254,7 +2254,7 @@
           <a:p>
             <a:fld id="{63A1C593-65D0-4073-BCC9-577B9352EA97}" type="datetimeFigureOut">
               <a:rPr lang="en-US" smtClean="0"/>
-              <a:t>12/28/24</a:t>
+              <a:t>12/30/24</a:t>
             </a:fld>
             <a:endParaRPr lang="en-US"/>
           </a:p>
@@ -2479,7 +2479,7 @@
           <a:p>
             <a:fld id="{63A1C593-65D0-4073-BCC9-577B9352EA97}" type="datetimeFigureOut">
               <a:rPr lang="en-US" smtClean="0"/>
-              <a:t>12/28/24</a:t>
+              <a:t>12/30/24</a:t>
             </a:fld>
             <a:endParaRPr lang="en-US"/>
           </a:p>
@@ -2839,7 +2839,7 @@
           <a:p>
             <a:fld id="{63A1C593-65D0-4073-BCC9-577B9352EA97}" type="datetimeFigureOut">
               <a:rPr lang="en-US" smtClean="0"/>
-              <a:t>12/28/24</a:t>
+              <a:t>12/30/24</a:t>
             </a:fld>
             <a:endParaRPr lang="en-US"/>
           </a:p>
@@ -2952,7 +2952,7 @@
           <a:p>
             <a:fld id="{63A1C593-65D0-4073-BCC9-577B9352EA97}" type="datetimeFigureOut">
               <a:rPr lang="en-US" smtClean="0"/>
-              <a:t>12/28/24</a:t>
+              <a:t>12/30/24</a:t>
             </a:fld>
             <a:endParaRPr lang="en-US"/>
           </a:p>
@@ -3043,7 +3043,7 @@
           <a:p>
             <a:fld id="{63A1C593-65D0-4073-BCC9-577B9352EA97}" type="datetimeFigureOut">
               <a:rPr lang="en-US" smtClean="0"/>
-              <a:t>12/28/24</a:t>
+              <a:t>12/30/24</a:t>
             </a:fld>
             <a:endParaRPr lang="en-US"/>
           </a:p>
@@ -3314,7 +3314,7 @@
           <a:p>
             <a:fld id="{63A1C593-65D0-4073-BCC9-577B9352EA97}" type="datetimeFigureOut">
               <a:rPr lang="en-US" smtClean="0"/>
-              <a:t>12/28/24</a:t>
+              <a:t>12/30/24</a:t>
             </a:fld>
             <a:endParaRPr lang="en-US"/>
           </a:p>
@@ -3591,7 +3591,7 @@
           <a:p>
             <a:fld id="{63A1C593-65D0-4073-BCC9-577B9352EA97}" type="datetimeFigureOut">
               <a:rPr lang="en-US" smtClean="0"/>
-              <a:t>12/28/24</a:t>
+              <a:t>12/30/24</a:t>
             </a:fld>
             <a:endParaRPr lang="en-US"/>
           </a:p>
@@ -3861,7 +3861,7 @@
           <a:p>
             <a:fld id="{63A1C593-65D0-4073-BCC9-577B9352EA97}" type="datetimeFigureOut">
               <a:rPr lang="en-US" smtClean="0"/>
-              <a:t>12/28/24</a:t>
+              <a:t>12/30/24</a:t>
             </a:fld>
             <a:endParaRPr lang="en-US"/>
           </a:p>

--- a/work/wk_01.pptx
+++ b/work/wk_01.pptx
@@ -5885,7 +5885,7 @@
           <p:nvPr>
             <p:extLst>
               <p:ext uri="{D42A27DB-BD31-4B8C-83A1-F6EECF244321}">
-                <p14:modId xmlns:p14="http://schemas.microsoft.com/office/powerpoint/2010/main" val="2577307957"/>
+                <p14:modId xmlns:p14="http://schemas.microsoft.com/office/powerpoint/2010/main" val="1810602482"/>
               </p:ext>
             </p:extLst>
           </p:nvPr>
@@ -6395,7 +6395,7 @@
                     <a:p>
                       <a:r>
                         <a:rPr lang="en-US" dirty="0"/>
-                        <a:t>Embrace; Obey;</a:t>
+                        <a:t>Embrace; Obey (Rom13:1-2);</a:t>
                       </a:r>
                     </a:p>
                   </a:txBody>
@@ -6568,9 +6568,26 @@
                     <a:bodyPr/>
                     <a:lstStyle/>
                     <a:p>
+                      <a:pPr marL="0" marR="0" lvl="0" indent="0" algn="l" defTabSz="914400" rtl="0" eaLnBrk="1" fontAlgn="auto" latinLnBrk="0" hangingPunct="1">
+                        <a:lnSpc>
+                          <a:spcPct val="100000"/>
+                        </a:lnSpc>
+                        <a:spcBef>
+                          <a:spcPts val="0"/>
+                        </a:spcBef>
+                        <a:spcAft>
+                          <a:spcPts val="0"/>
+                        </a:spcAft>
+                        <a:buClrTx/>
+                        <a:buSzTx/>
+                        <a:buFontTx/>
+                        <a:buNone/>
+                        <a:tabLst/>
+                        <a:defRPr/>
+                      </a:pPr>
                       <a:r>
                         <a:rPr lang="en-US" dirty="0"/>
-                        <a:t>Great Commission.</a:t>
+                        <a:t>Great Commission (Mat28:19-20)</a:t>
                       </a:r>
                     </a:p>
                   </a:txBody>
